--- a/Final Documents/Batch - 4 Week - 1 Review.pptx
+++ b/Final Documents/Batch - 4 Week - 1 Review.pptx
@@ -1967,6 +1967,48 @@
           </a:p>
         </p:txBody>
       </p:sp>
+      <p:sp>
+        <p:nvSpPr>
+          <p:cNvPr id="7" name="Text Box 6"/>
+          <p:cNvSpPr txBox="1"/>
+          <p:nvPr/>
+        </p:nvSpPr>
+        <p:spPr>
+          <a:xfrm>
+            <a:off x="751840" y="7559040"/>
+            <a:ext cx="6014085" cy="583565"/>
+          </a:xfrm>
+          <a:prstGeom prst="rect">
+            <a:avLst/>
+          </a:prstGeom>
+          <a:noFill/>
+        </p:spPr>
+        <p:txBody>
+          <a:bodyPr wrap="square" rtlCol="0">
+            <a:spAutoFit/>
+          </a:bodyPr>
+          <a:p>
+            <a:pPr algn="ctr"/>
+            <a:r>
+              <a:rPr lang="en-IN" altLang="en-US" sz="3200">
+                <a:solidFill>
+                  <a:schemeClr val="bg1"/>
+                </a:solidFill>
+                <a:latin typeface="Times New Roman" panose="02020603050405020304" charset="0"/>
+                <a:cs typeface="Times New Roman" panose="02020603050405020304" charset="0"/>
+              </a:rPr>
+              <a:t>CSE - AIML</a:t>
+            </a:r>
+            <a:endParaRPr lang="en-IN" altLang="en-US" sz="3200">
+              <a:solidFill>
+                <a:schemeClr val="bg1"/>
+              </a:solidFill>
+              <a:latin typeface="Times New Roman" panose="02020603050405020304" charset="0"/>
+              <a:cs typeface="Times New Roman" panose="02020603050405020304" charset="0"/>
+            </a:endParaRPr>
+          </a:p>
+        </p:txBody>
+      </p:sp>
     </p:spTree>
   </p:cSld>
   <p:clrMapOvr>
@@ -2190,7 +2232,7 @@
               <a:buNone/>
             </a:pPr>
             <a:r>
-              <a:rPr lang="en-IN" altLang="en-US" sz="3990" b="1" kern="0" spc="-120" dirty="0">
+              <a:rPr lang="en-IN" altLang="en-US" sz="3600" b="1" kern="0" spc="-120" dirty="0">
                 <a:solidFill>
                   <a:srgbClr val="FFFFFF"/>
                 </a:solidFill>
@@ -2200,7 +2242,7 @@
               </a:rPr>
               <a:t>About</a:t>
             </a:r>
-            <a:endParaRPr lang="en-IN" altLang="en-US" sz="3990" b="1" kern="0" spc="-120" dirty="0">
+            <a:endParaRPr lang="en-IN" altLang="en-US" sz="3600" b="1" kern="0" spc="-120" dirty="0">
               <a:solidFill>
                 <a:srgbClr val="FFFFFF"/>
               </a:solidFill>
@@ -2350,7 +2392,7 @@
               </a:lnSpc>
             </a:pPr>
             <a:r>
-              <a:rPr lang="en-US">
+              <a:rPr lang="en-US" sz="2400">
                 <a:solidFill>
                   <a:schemeClr val="bg1"/>
                 </a:solidFill>
@@ -2359,7 +2401,7 @@
               </a:rPr>
               <a:t>The AI-powered resume analysis and candidate ranking system is a cutting-edge technology designed to streamline the hiring process. By leveraging advanced machine learning algorithms, this system can quickly and accurately analyze resumes and identify the most qualified candidates for a given position. This abstract provides an overview of the key features and benefits of this innovative solution.</a:t>
             </a:r>
-            <a:endParaRPr lang="en-US">
+            <a:endParaRPr lang="en-US" sz="2400">
               <a:solidFill>
                 <a:schemeClr val="bg1"/>
               </a:solidFill>
@@ -2451,7 +2493,7 @@
         </p:nvSpPr>
         <p:spPr>
           <a:xfrm>
-            <a:off x="2703989" y="1736606"/>
+            <a:off x="2704624" y="409456"/>
             <a:ext cx="8427958" cy="694373"/>
           </a:xfrm>
           <a:prstGeom prst="rect">
@@ -2470,7 +2512,7 @@
               <a:buNone/>
             </a:pPr>
             <a:r>
-              <a:rPr lang="en-US" sz="4375" b="1" kern="0" spc="-131" dirty="0">
+              <a:rPr lang="en-US" sz="3600" b="1" kern="0" spc="-131" dirty="0">
                 <a:solidFill>
                   <a:srgbClr val="FFFFFF"/>
                 </a:solidFill>
@@ -2480,7 +2522,7 @@
               </a:rPr>
               <a:t>Existing Resume Analysis Systems</a:t>
             </a:r>
-            <a:endParaRPr lang="en-US" sz="4375" b="1" kern="0" spc="-131" dirty="0">
+            <a:endParaRPr lang="en-US" sz="3600" b="1" kern="0" spc="-131" dirty="0">
               <a:solidFill>
                 <a:srgbClr val="FFFFFF"/>
               </a:solidFill>
@@ -2499,7 +2541,7 @@
         </p:nvSpPr>
         <p:spPr>
           <a:xfrm>
-            <a:off x="2703790" y="2751495"/>
+            <a:off x="2703790" y="1440220"/>
             <a:ext cx="9578102" cy="799624"/>
           </a:xfrm>
           <a:prstGeom prst="rect">
@@ -2519,7 +2561,7 @@
               <a:buNone/>
             </a:pPr>
             <a:r>
-              <a:rPr lang="en-US" sz="1750" dirty="0">
+              <a:rPr lang="en-US" sz="2400" dirty="0">
                 <a:solidFill>
                   <a:srgbClr val="E5E0DF"/>
                 </a:solidFill>
@@ -2530,7 +2572,7 @@
               </a:rPr>
               <a:t>In this presentation, we will explore the research paper "Resume Evaluation through Latent Dirichlet Allocation and Natural Language Processing for Effective Candidate Selection" and discuss existing systems as well as propose a new AI-powered system.</a:t>
             </a:r>
-            <a:endParaRPr lang="en-US" sz="1750" dirty="0">
+            <a:endParaRPr lang="en-US" sz="2400" dirty="0">
               <a:solidFill>
                 <a:srgbClr val="E5E0DF"/>
               </a:solidFill>
@@ -2547,7 +2589,7 @@
               <a:buSzPct val="100000"/>
               <a:buNone/>
             </a:pPr>
-            <a:endParaRPr lang="en-US" sz="1750" dirty="0">
+            <a:endParaRPr lang="en-US" sz="2400" dirty="0">
               <a:solidFill>
                 <a:srgbClr val="E5E0DF"/>
               </a:solidFill>
@@ -2565,7 +2607,7 @@
               <a:buChar char="•"/>
             </a:pPr>
             <a:r>
-              <a:rPr lang="en-US" sz="1750" dirty="0">
+              <a:rPr lang="en-US" sz="2400" dirty="0">
                 <a:solidFill>
                   <a:srgbClr val="E5E0DF"/>
                 </a:solidFill>
@@ -2575,7 +2617,7 @@
               </a:rPr>
               <a:t>Standard resume analysis relies on keywords and rules, which can overlook nuances and complexity. This causes biased or incomplete evaluations of a candidate's qualifications.</a:t>
             </a:r>
-            <a:endParaRPr lang="en-US" sz="1750" dirty="0">
+            <a:endParaRPr lang="en-US" sz="2400" dirty="0">
               <a:solidFill>
                 <a:srgbClr val="E5E0DF"/>
               </a:solidFill>
@@ -2594,7 +2636,7 @@
         </p:nvSpPr>
         <p:spPr>
           <a:xfrm>
-            <a:off x="2703790" y="5198229"/>
+            <a:off x="2703790" y="4692134"/>
             <a:ext cx="9578102" cy="799624"/>
           </a:xfrm>
           <a:prstGeom prst="rect">
@@ -2614,7 +2656,7 @@
               <a:buChar char="•"/>
             </a:pPr>
             <a:r>
-              <a:rPr lang="en-US" sz="1750" dirty="0">
+              <a:rPr lang="en-US" sz="2400" dirty="0">
                 <a:solidFill>
                   <a:srgbClr val="E5E0DF"/>
                 </a:solidFill>
@@ -2624,7 +2666,7 @@
               </a:rPr>
               <a:t>Newer systems analyze resumes using machine learning and NLP, identifying relationships between words and extracting job titles, skills, and experience levels.</a:t>
             </a:r>
-            <a:endParaRPr lang="en-US" sz="1750" dirty="0">
+            <a:endParaRPr lang="en-US" sz="2400" dirty="0">
               <a:solidFill>
                 <a:srgbClr val="E5E0DF"/>
               </a:solidFill>
@@ -2663,7 +2705,7 @@
               <a:buChar char="•"/>
             </a:pPr>
             <a:r>
-              <a:rPr lang="en-US" sz="1750" dirty="0">
+              <a:rPr lang="en-US" sz="2400" dirty="0">
                 <a:solidFill>
                   <a:srgbClr val="E5E0DF"/>
                 </a:solidFill>
@@ -2671,9 +2713,20 @@
                 <a:ea typeface="Overpass" pitchFamily="34" charset="-122"/>
                 <a:cs typeface="Times New Roman" panose="02020603050405020304" charset="0"/>
               </a:rPr>
-              <a:t>Automated systems have limitations. They rely on predefined categories and may not work for all industries or roles. They may struggle with identifying certain intangible qualities, such as soft skills.</a:t>
-            </a:r>
-            <a:endParaRPr lang="en-US" sz="1750" dirty="0">
+              <a:t>Automated systems have limitations. They rely on predefined categories and may not work for all industries or roles. They may struggle with identifying certain </a:t>
+            </a:r>
+            <a:r>
+              <a:rPr lang="en-US" sz="2400" dirty="0">
+                <a:solidFill>
+                  <a:srgbClr val="E5E0DF"/>
+                </a:solidFill>
+                <a:latin typeface="Times New Roman" panose="02020603050405020304" charset="0"/>
+                <a:ea typeface="Overpass" pitchFamily="34" charset="-122"/>
+                <a:cs typeface="Times New Roman" panose="02020603050405020304" charset="0"/>
+              </a:rPr>
+              <a:t>intangible qualities, such as soft skills.</a:t>
+            </a:r>
+            <a:endParaRPr lang="en-US" sz="2400" dirty="0">
               <a:solidFill>
                 <a:srgbClr val="E5E0DF"/>
               </a:solidFill>
@@ -2840,7 +2893,7 @@
         </p:nvSpPr>
         <p:spPr>
           <a:xfrm>
-            <a:off x="2348389" y="1587937"/>
+            <a:off x="2348389" y="893247"/>
             <a:ext cx="6648569" cy="694373"/>
           </a:xfrm>
           <a:prstGeom prst="rect">
@@ -2859,7 +2912,7 @@
               <a:buNone/>
             </a:pPr>
             <a:r>
-              <a:rPr lang="en-US" sz="4375" b="1" kern="0" spc="-131" dirty="0">
+              <a:rPr lang="en-US" sz="3600" b="1" kern="0" spc="-131" dirty="0">
                 <a:solidFill>
                   <a:srgbClr val="FFFFFF"/>
                 </a:solidFill>
@@ -2869,7 +2922,7 @@
               </a:rPr>
               <a:t>Proposed System Overview</a:t>
             </a:r>
-            <a:endParaRPr lang="en-US" sz="4375" b="1" kern="0" spc="-131" dirty="0">
+            <a:endParaRPr lang="en-US" sz="3600" b="1" kern="0" spc="-131" dirty="0">
               <a:solidFill>
                 <a:srgbClr val="FFFFFF"/>
               </a:solidFill>
@@ -2888,7 +2941,7 @@
         </p:nvSpPr>
         <p:spPr>
           <a:xfrm>
-            <a:off x="2348389" y="2837736"/>
+            <a:off x="2348389" y="2323386"/>
             <a:ext cx="2949416" cy="832961"/>
           </a:xfrm>
           <a:prstGeom prst="rect">
@@ -2907,7 +2960,7 @@
               <a:buNone/>
             </a:pPr>
             <a:r>
-              <a:rPr lang="en-US" sz="2625" b="1" kern="0" spc="-79" dirty="0">
+              <a:rPr lang="en-US" sz="2800" b="1" kern="0" spc="-79" dirty="0">
                 <a:solidFill>
                   <a:srgbClr val="FFFFFF"/>
                 </a:solidFill>
@@ -2917,7 +2970,7 @@
               </a:rPr>
               <a:t>Advanced Technology</a:t>
             </a:r>
-            <a:endParaRPr lang="en-US" sz="2625" b="1" kern="0" spc="-79" dirty="0">
+            <a:endParaRPr lang="en-US" sz="2800" b="1" kern="0" spc="-79" dirty="0">
               <a:solidFill>
                 <a:srgbClr val="FFFFFF"/>
               </a:solidFill>
@@ -2936,7 +2989,7 @@
         </p:nvSpPr>
         <p:spPr>
           <a:xfrm>
-            <a:off x="2348389" y="3892868"/>
+            <a:off x="2348389" y="3572828"/>
             <a:ext cx="2949416" cy="2132409"/>
           </a:xfrm>
           <a:prstGeom prst="rect">
@@ -2955,7 +3008,7 @@
               <a:buNone/>
             </a:pPr>
             <a:r>
-              <a:rPr lang="en-US" sz="1750" dirty="0">
+              <a:rPr lang="en-US" sz="2400" dirty="0">
                 <a:solidFill>
                   <a:srgbClr val="E5E0DF"/>
                 </a:solidFill>
@@ -2965,7 +3018,7 @@
               </a:rPr>
               <a:t>Our proposed system harnesses the power of artificial intelligence, specifically Latent Dirichlet Allocation (LDA) and Natural Language Processing (NLP).</a:t>
             </a:r>
-            <a:endParaRPr lang="en-US" sz="1750" dirty="0">
+            <a:endParaRPr lang="en-US" sz="2400" dirty="0">
               <a:solidFill>
                 <a:srgbClr val="E5E0DF"/>
               </a:solidFill>
@@ -2984,7 +3037,7 @@
         </p:nvSpPr>
         <p:spPr>
           <a:xfrm>
-            <a:off x="5847398" y="2837736"/>
+            <a:off x="5846763" y="2323386"/>
             <a:ext cx="2949416" cy="1249442"/>
           </a:xfrm>
           <a:prstGeom prst="rect">
@@ -3003,7 +3056,7 @@
               <a:buNone/>
             </a:pPr>
             <a:r>
-              <a:rPr lang="en-US" sz="2625" b="1" kern="0" spc="-79" dirty="0">
+              <a:rPr lang="en-US" sz="2800" b="1" kern="0" spc="-79" dirty="0">
                 <a:solidFill>
                   <a:srgbClr val="FFFFFF"/>
                 </a:solidFill>
@@ -3013,7 +3066,7 @@
               </a:rPr>
               <a:t>Enhanced Candidate Evaluation</a:t>
             </a:r>
-            <a:endParaRPr lang="en-US" sz="2625" b="1" kern="0" spc="-79" dirty="0">
+            <a:endParaRPr lang="en-US" sz="2800" b="1" kern="0" spc="-79" dirty="0">
               <a:solidFill>
                 <a:srgbClr val="FFFFFF"/>
               </a:solidFill>
@@ -3032,7 +3085,7 @@
         </p:nvSpPr>
         <p:spPr>
           <a:xfrm>
-            <a:off x="5847398" y="4309348"/>
+            <a:off x="5847398" y="3893423"/>
             <a:ext cx="2949416" cy="2132409"/>
           </a:xfrm>
           <a:prstGeom prst="rect">
@@ -3051,7 +3104,7 @@
               <a:buNone/>
             </a:pPr>
             <a:r>
-              <a:rPr lang="en-US" sz="1750" dirty="0">
+              <a:rPr lang="en-US" sz="2400" dirty="0">
                 <a:solidFill>
                   <a:srgbClr val="E5E0DF"/>
                 </a:solidFill>
@@ -3061,7 +3114,7 @@
               </a:rPr>
               <a:t>By employing LDA and NLP, our system can accurately analyze resumes and rank candidates based on their qualifications and suitability for a specific job.</a:t>
             </a:r>
-            <a:endParaRPr lang="en-US" sz="1750" dirty="0">
+            <a:endParaRPr lang="en-US" sz="2400" dirty="0">
               <a:solidFill>
                 <a:srgbClr val="E5E0DF"/>
               </a:solidFill>
@@ -3080,7 +3133,7 @@
         </p:nvSpPr>
         <p:spPr>
           <a:xfrm>
-            <a:off x="9346406" y="2837736"/>
+            <a:off x="9345136" y="2323386"/>
             <a:ext cx="2949416" cy="832961"/>
           </a:xfrm>
           <a:prstGeom prst="rect">
@@ -3099,7 +3152,7 @@
               <a:buNone/>
             </a:pPr>
             <a:r>
-              <a:rPr lang="en-US" sz="2625" b="1" kern="0" spc="-79" dirty="0">
+              <a:rPr lang="en-US" sz="2800" b="1" kern="0" spc="-79" dirty="0">
                 <a:solidFill>
                   <a:srgbClr val="FFFFFF"/>
                 </a:solidFill>
@@ -3109,7 +3162,7 @@
               </a:rPr>
               <a:t>Innovative Approach</a:t>
             </a:r>
-            <a:endParaRPr lang="en-US" sz="2625" b="1" kern="0" spc="-79" dirty="0">
+            <a:endParaRPr lang="en-US" sz="2800" b="1" kern="0" spc="-79" dirty="0">
               <a:solidFill>
                 <a:srgbClr val="FFFFFF"/>
               </a:solidFill>
@@ -3128,7 +3181,7 @@
         </p:nvSpPr>
         <p:spPr>
           <a:xfrm>
-            <a:off x="9346406" y="3892868"/>
+            <a:off x="9346406" y="3572828"/>
             <a:ext cx="2949416" cy="2132409"/>
           </a:xfrm>
           <a:prstGeom prst="rect">
@@ -3147,7 +3200,7 @@
               <a:buNone/>
             </a:pPr>
             <a:r>
-              <a:rPr lang="en-US" sz="1750" dirty="0">
+              <a:rPr lang="en-US" sz="2400" dirty="0">
                 <a:solidFill>
                   <a:srgbClr val="E5E0DF"/>
                 </a:solidFill>
@@ -3157,7 +3210,7 @@
               </a:rPr>
               <a:t>Our system incorporates novel methods to overcome the limitations of existing resume analysis systems, leading to improved candidate selection.</a:t>
             </a:r>
-            <a:endParaRPr lang="en-US" sz="1750" dirty="0">
+            <a:endParaRPr lang="en-US" sz="2400" dirty="0">
               <a:solidFill>
                 <a:srgbClr val="E5E0DF"/>
               </a:solidFill>
@@ -3333,7 +3386,7 @@
         <p:spPr>
           <a:xfrm>
             <a:off x="0" y="0"/>
-            <a:ext cx="14630400" cy="2053114"/>
+            <a:ext cx="14630400" cy="1703070"/>
           </a:xfrm>
           <a:prstGeom prst="rect">
             <a:avLst/>
@@ -3348,8 +3401,8 @@
         </p:nvSpPr>
         <p:spPr>
           <a:xfrm>
-            <a:off x="3643630" y="2504440"/>
-            <a:ext cx="7343140" cy="1451610"/>
+            <a:off x="2058670" y="2107565"/>
+            <a:ext cx="10513060" cy="1451610"/>
           </a:xfrm>
           <a:prstGeom prst="rect">
             <a:avLst/>
@@ -3360,14 +3413,14 @@
           <a:bodyPr wrap="square" rtlCol="0" anchor="t"/>
           <a:lstStyle/>
           <a:p>
-            <a:pPr marL="0" indent="0">
+            <a:pPr marL="0" indent="0" algn="ctr">
               <a:lnSpc>
                 <a:spcPts val="4040"/>
               </a:lnSpc>
               <a:buNone/>
             </a:pPr>
             <a:r>
-              <a:rPr lang="en-US" sz="3235" b="1" kern="0" spc="-97" dirty="0">
+              <a:rPr lang="en-US" sz="3600" b="1" kern="0" spc="-97" dirty="0">
                 <a:solidFill>
                   <a:srgbClr val="FFFFFF"/>
                 </a:solidFill>
@@ -3377,7 +3430,7 @@
               </a:rPr>
               <a:t>Introduction to Latent Dirichlet Allocation and Natural Language Processing</a:t>
             </a:r>
-            <a:endParaRPr lang="en-US" sz="3235" b="1" kern="0" spc="-97" dirty="0">
+            <a:endParaRPr lang="en-US" sz="3600" b="1" kern="0" spc="-97" dirty="0">
               <a:solidFill>
                 <a:srgbClr val="FFFFFF"/>
               </a:solidFill>
@@ -3396,7 +3449,7 @@
         </p:nvSpPr>
         <p:spPr>
           <a:xfrm>
-            <a:off x="3643670" y="4419243"/>
+            <a:off x="2058710" y="4075708"/>
             <a:ext cx="369570" cy="369570"/>
           </a:xfrm>
           <a:prstGeom prst="roundRect">
@@ -3423,7 +3476,7 @@
         </p:nvSpPr>
         <p:spPr>
           <a:xfrm>
-            <a:off x="3778925" y="4450080"/>
+            <a:off x="2167930" y="4075430"/>
             <a:ext cx="99060" cy="307896"/>
           </a:xfrm>
           <a:prstGeom prst="rect">
@@ -3471,8 +3524,8 @@
         </p:nvSpPr>
         <p:spPr>
           <a:xfrm>
-            <a:off x="4177427" y="4475678"/>
-            <a:ext cx="1804511" cy="513159"/>
+            <a:off x="2594610" y="4020820"/>
+            <a:ext cx="2791460" cy="513080"/>
           </a:xfrm>
           <a:prstGeom prst="rect">
             <a:avLst/>
@@ -3490,7 +3543,7 @@
               <a:buNone/>
             </a:pPr>
             <a:r>
-              <a:rPr lang="en-US" sz="1615" b="1" kern="0" spc="-49" dirty="0">
+              <a:rPr lang="en-US" sz="2400" b="1" kern="0" spc="-49" dirty="0">
                 <a:solidFill>
                   <a:srgbClr val="E5E0DF"/>
                 </a:solidFill>
@@ -3500,7 +3553,7 @@
               </a:rPr>
               <a:t>Latent Dirichlet Allocation (LDA)</a:t>
             </a:r>
-            <a:endParaRPr lang="en-US" sz="1615" b="1" kern="0" spc="-49" dirty="0">
+            <a:endParaRPr lang="en-US" sz="2400" b="1" kern="0" spc="-49" dirty="0">
               <a:solidFill>
                 <a:srgbClr val="E5E0DF"/>
               </a:solidFill>
@@ -3519,8 +3572,8 @@
         </p:nvSpPr>
         <p:spPr>
           <a:xfrm>
-            <a:off x="4177427" y="5153025"/>
-            <a:ext cx="1804511" cy="2366010"/>
+            <a:off x="2593975" y="4783455"/>
+            <a:ext cx="2787015" cy="2366010"/>
           </a:xfrm>
           <a:prstGeom prst="rect">
             <a:avLst/>
@@ -3538,7 +3591,7 @@
               <a:buNone/>
             </a:pPr>
             <a:r>
-              <a:rPr lang="en-US" sz="1295" dirty="0">
+              <a:rPr lang="en-US" sz="2000" dirty="0">
                 <a:solidFill>
                   <a:srgbClr val="E5E0DF"/>
                 </a:solidFill>
@@ -3548,7 +3601,7 @@
               </a:rPr>
               <a:t>LDA is a statistical model that allows us to discover topics within a collection of documents. It helps us identify latent themes and extract relevant information from resumes.</a:t>
             </a:r>
-            <a:endParaRPr lang="en-US" sz="1295" dirty="0">
+            <a:endParaRPr lang="en-US" sz="2000" dirty="0">
               <a:solidFill>
                 <a:srgbClr val="E5E0DF"/>
               </a:solidFill>
@@ -3567,7 +3620,7 @@
         </p:nvSpPr>
         <p:spPr>
           <a:xfrm>
-            <a:off x="6146125" y="4419243"/>
+            <a:off x="5552400" y="4075708"/>
             <a:ext cx="369570" cy="369570"/>
           </a:xfrm>
           <a:prstGeom prst="roundRect">
@@ -3594,7 +3647,7 @@
         </p:nvSpPr>
         <p:spPr>
           <a:xfrm>
-            <a:off x="6254710" y="4450080"/>
+            <a:off x="5661620" y="4075430"/>
             <a:ext cx="152400" cy="307896"/>
           </a:xfrm>
           <a:prstGeom prst="rect">
@@ -3642,8 +3695,8 @@
         </p:nvSpPr>
         <p:spPr>
           <a:xfrm>
-            <a:off x="6679883" y="4475678"/>
-            <a:ext cx="1804511" cy="513159"/>
+            <a:off x="6224905" y="3963670"/>
+            <a:ext cx="2545715" cy="513080"/>
           </a:xfrm>
           <a:prstGeom prst="rect">
             <a:avLst/>
@@ -3661,7 +3714,7 @@
               <a:buNone/>
             </a:pPr>
             <a:r>
-              <a:rPr lang="en-US" sz="1615" b="1" kern="0" spc="-49" dirty="0">
+              <a:rPr lang="en-US" sz="2400" b="1" kern="0" spc="-49" dirty="0">
                 <a:solidFill>
                   <a:srgbClr val="E5E0DF"/>
                 </a:solidFill>
@@ -3671,7 +3724,7 @@
               </a:rPr>
               <a:t>Natural Language Processing (NLP)</a:t>
             </a:r>
-            <a:endParaRPr lang="en-US" sz="1615" b="1" kern="0" spc="-49" dirty="0">
+            <a:endParaRPr lang="en-US" sz="2400" b="1" kern="0" spc="-49" dirty="0">
               <a:solidFill>
                 <a:srgbClr val="E5E0DF"/>
               </a:solidFill>
@@ -3690,8 +3743,8 @@
         </p:nvSpPr>
         <p:spPr>
           <a:xfrm>
-            <a:off x="6679883" y="5153025"/>
-            <a:ext cx="1804511" cy="2628900"/>
+            <a:off x="6286500" y="4783455"/>
+            <a:ext cx="2421890" cy="2628900"/>
           </a:xfrm>
           <a:prstGeom prst="rect">
             <a:avLst/>
@@ -3709,7 +3762,7 @@
               <a:buNone/>
             </a:pPr>
             <a:r>
-              <a:rPr lang="en-US" sz="1295" dirty="0">
+              <a:rPr lang="en-US" sz="2000" dirty="0">
                 <a:solidFill>
                   <a:srgbClr val="E5E0DF"/>
                 </a:solidFill>
@@ -3719,7 +3772,7 @@
               </a:rPr>
               <a:t>NLP enables machines to understand and interpret human language. By using NLP techniques like named entity recognition and sentiment analysis, our system derives meaningful insights from resumes.</a:t>
             </a:r>
-            <a:endParaRPr lang="en-US" sz="1295" dirty="0">
+            <a:endParaRPr lang="en-US" sz="2000" dirty="0">
               <a:solidFill>
                 <a:srgbClr val="E5E0DF"/>
               </a:solidFill>
@@ -3738,7 +3791,7 @@
         </p:nvSpPr>
         <p:spPr>
           <a:xfrm>
-            <a:off x="8648581" y="4419243"/>
+            <a:off x="9181346" y="4075708"/>
             <a:ext cx="369570" cy="369570"/>
           </a:xfrm>
           <a:prstGeom prst="roundRect">
@@ -3765,7 +3818,7 @@
         </p:nvSpPr>
         <p:spPr>
           <a:xfrm>
-            <a:off x="8760976" y="4450080"/>
+            <a:off x="9290566" y="4075430"/>
             <a:ext cx="144780" cy="307896"/>
           </a:xfrm>
           <a:prstGeom prst="rect">
@@ -3813,7 +3866,7 @@
         </p:nvSpPr>
         <p:spPr>
           <a:xfrm>
-            <a:off x="9182338" y="4475678"/>
+            <a:off x="9689068" y="4223583"/>
             <a:ext cx="1642467" cy="256580"/>
           </a:xfrm>
           <a:prstGeom prst="rect">
@@ -3832,7 +3885,7 @@
               <a:buNone/>
             </a:pPr>
             <a:r>
-              <a:rPr lang="en-US" sz="1615" b="1" kern="0" spc="-49" dirty="0">
+              <a:rPr lang="en-US" sz="2400" b="1" kern="0" spc="-49" dirty="0">
                 <a:solidFill>
                   <a:srgbClr val="E5E0DF"/>
                 </a:solidFill>
@@ -3842,7 +3895,7 @@
               </a:rPr>
               <a:t>Combined Power</a:t>
             </a:r>
-            <a:endParaRPr lang="en-US" sz="1615" b="1" kern="0" spc="-49" dirty="0">
+            <a:endParaRPr lang="en-US" sz="2400" b="1" kern="0" spc="-49" dirty="0">
               <a:solidFill>
                 <a:srgbClr val="E5E0DF"/>
               </a:solidFill>
@@ -3861,8 +3914,8 @@
         </p:nvSpPr>
         <p:spPr>
           <a:xfrm>
-            <a:off x="9182338" y="4896445"/>
-            <a:ext cx="1804511" cy="1840230"/>
+            <a:off x="9866630" y="4783455"/>
+            <a:ext cx="2466340" cy="1840230"/>
           </a:xfrm>
           <a:prstGeom prst="rect">
             <a:avLst/>
@@ -3880,7 +3933,7 @@
               <a:buNone/>
             </a:pPr>
             <a:r>
-              <a:rPr lang="en-US" sz="1295" dirty="0">
+              <a:rPr lang="en-US" sz="2000" dirty="0">
                 <a:solidFill>
                   <a:srgbClr val="E5E0DF"/>
                 </a:solidFill>
@@ -3890,7 +3943,7 @@
               </a:rPr>
               <a:t>By leveraging the capabilities of LDA and NLP together, we can achieve comprehensive resume analysis and accurate candidate ranking.</a:t>
             </a:r>
-            <a:endParaRPr lang="en-US" sz="1295" dirty="0">
+            <a:endParaRPr lang="en-US" sz="2000" dirty="0">
               <a:solidFill>
                 <a:srgbClr val="E5E0DF"/>
               </a:solidFill>
@@ -4081,8 +4134,8 @@
         </p:nvSpPr>
         <p:spPr>
           <a:xfrm>
-            <a:off x="3838456" y="2371844"/>
-            <a:ext cx="6953488" cy="1458039"/>
+            <a:off x="2379345" y="2414905"/>
+            <a:ext cx="9853295" cy="1457960"/>
           </a:xfrm>
           <a:prstGeom prst="rect">
             <a:avLst/>
@@ -4093,7 +4146,7 @@
           <a:bodyPr wrap="square" rtlCol="0" anchor="t"/>
           <a:lstStyle/>
           <a:p>
-            <a:pPr marL="0" indent="0">
+            <a:pPr marL="0" indent="0" algn="ctr">
               <a:lnSpc>
                 <a:spcPts val="3825"/>
               </a:lnSpc>
@@ -4261,7 +4314,7 @@
               <a:buNone/>
             </a:pPr>
             <a:r>
-              <a:rPr lang="en-US" sz="1530" b="1" kern="0" spc="-46" dirty="0">
+              <a:rPr lang="en-US" sz="2400" b="1" kern="0" spc="-46" dirty="0">
                 <a:solidFill>
                   <a:srgbClr val="E5E0DF"/>
                 </a:solidFill>
@@ -4271,7 +4324,7 @@
               </a:rPr>
               <a:t>Data Preprocessing</a:t>
             </a:r>
-            <a:endParaRPr lang="en-US" sz="1530" b="1" kern="0" spc="-46" dirty="0">
+            <a:endParaRPr lang="en-US" sz="2400" b="1" kern="0" spc="-46" dirty="0">
               <a:solidFill>
                 <a:srgbClr val="E5E0DF"/>
               </a:solidFill>
@@ -4290,8 +4343,8 @@
         </p:nvSpPr>
         <p:spPr>
           <a:xfrm>
-            <a:off x="8170664" y="4617125"/>
-            <a:ext cx="2621280" cy="1243608"/>
+            <a:off x="8170545" y="4617085"/>
+            <a:ext cx="4359910" cy="1243330"/>
           </a:xfrm>
           <a:prstGeom prst="rect">
             <a:avLst/>
@@ -4309,7 +4362,7 @@
               <a:buNone/>
             </a:pPr>
             <a:r>
-              <a:rPr lang="en-US" sz="1225" dirty="0">
+              <a:rPr lang="en-US" sz="2000" dirty="0">
                 <a:solidFill>
                   <a:srgbClr val="E5E0DF"/>
                 </a:solidFill>
@@ -4319,7 +4372,7 @@
               </a:rPr>
               <a:t>We preprocess the resume data by removing stop words, performing tokenization and stemming, and converting text into numerical vectors.</a:t>
             </a:r>
-            <a:endParaRPr lang="en-US" sz="1225" dirty="0">
+            <a:endParaRPr lang="en-US" sz="2000" dirty="0">
               <a:solidFill>
                 <a:srgbClr val="E5E0DF"/>
               </a:solidFill>
@@ -4451,7 +4504,7 @@
               <a:buNone/>
             </a:pPr>
             <a:r>
-              <a:rPr lang="en-US" sz="1530" b="1" kern="0" spc="-46" dirty="0">
+              <a:rPr lang="en-US" sz="2400" b="1" kern="0" spc="-46" dirty="0">
                 <a:solidFill>
                   <a:srgbClr val="E5E0DF"/>
                 </a:solidFill>
@@ -4461,7 +4514,7 @@
               </a:rPr>
               <a:t>Topic Modeling with LDA</a:t>
             </a:r>
-            <a:endParaRPr lang="en-US" sz="1530" b="1" kern="0" spc="-46" dirty="0">
+            <a:endParaRPr lang="en-US" sz="2400" b="1" kern="0" spc="-46" dirty="0">
               <a:solidFill>
                 <a:srgbClr val="E5E0DF"/>
               </a:solidFill>
@@ -4480,8 +4533,8 @@
         </p:nvSpPr>
         <p:spPr>
           <a:xfrm>
-            <a:off x="3838456" y="5394722"/>
-            <a:ext cx="2621280" cy="994886"/>
+            <a:off x="2385060" y="5394960"/>
+            <a:ext cx="4074795" cy="995045"/>
           </a:xfrm>
           <a:prstGeom prst="rect">
             <a:avLst/>
@@ -4499,7 +4552,7 @@
               <a:buNone/>
             </a:pPr>
             <a:r>
-              <a:rPr lang="en-US" sz="1225" dirty="0">
+              <a:rPr lang="en-US" sz="2000" dirty="0">
                 <a:solidFill>
                   <a:srgbClr val="E5E0DF"/>
                 </a:solidFill>
@@ -4509,7 +4562,7 @@
               </a:rPr>
               <a:t>We apply LDA to extract latent topics from resumes, identifying key themes and keywords relevant for candidate evaluation.</a:t>
             </a:r>
-            <a:endParaRPr lang="en-US" sz="1225" dirty="0">
+            <a:endParaRPr lang="en-US" sz="2000" dirty="0">
               <a:solidFill>
                 <a:srgbClr val="E5E0DF"/>
               </a:solidFill>
@@ -4641,7 +4694,7 @@
               <a:buNone/>
             </a:pPr>
             <a:r>
-              <a:rPr lang="en-US" sz="1530" b="1" kern="0" spc="-46" dirty="0">
+              <a:rPr lang="en-US" sz="2400" b="1" kern="0" spc="-46" dirty="0">
                 <a:solidFill>
                   <a:srgbClr val="E5E0DF"/>
                 </a:solidFill>
@@ -4651,7 +4704,7 @@
               </a:rPr>
               <a:t>NLP Analysis</a:t>
             </a:r>
-            <a:endParaRPr lang="en-US" sz="1530" b="1" kern="0" spc="-46" dirty="0">
+            <a:endParaRPr lang="en-US" sz="2400" b="1" kern="0" spc="-46" dirty="0">
               <a:solidFill>
                 <a:srgbClr val="E5E0DF"/>
               </a:solidFill>
@@ -4670,8 +4723,8 @@
         </p:nvSpPr>
         <p:spPr>
           <a:xfrm>
-            <a:off x="8170664" y="6725722"/>
-            <a:ext cx="2621280" cy="994886"/>
+            <a:off x="8170545" y="6725920"/>
+            <a:ext cx="4062095" cy="995045"/>
           </a:xfrm>
           <a:prstGeom prst="rect">
             <a:avLst/>
@@ -4689,7 +4742,7 @@
               <a:buNone/>
             </a:pPr>
             <a:r>
-              <a:rPr lang="en-US" sz="1225" dirty="0">
+              <a:rPr lang="en-US" sz="2000" dirty="0">
                 <a:solidFill>
                   <a:srgbClr val="E5E0DF"/>
                 </a:solidFill>
@@ -4699,7 +4752,7 @@
               </a:rPr>
               <a:t>Using NLP techniques, we analyze the resume content, extracting information such as skills, experience, and achievements.</a:t>
             </a:r>
-            <a:endParaRPr lang="en-US" sz="1225" dirty="0">
+            <a:endParaRPr lang="en-US" sz="2000" dirty="0">
               <a:solidFill>
                 <a:srgbClr val="E5E0DF"/>
               </a:solidFill>
@@ -4878,14 +4931,14 @@
           <a:bodyPr wrap="square" rtlCol="0" anchor="t"/>
           <a:lstStyle/>
           <a:p>
-            <a:pPr marL="0" indent="0">
+            <a:pPr marL="0" indent="0" algn="ctr">
               <a:lnSpc>
                 <a:spcPts val="5470"/>
               </a:lnSpc>
               <a:buNone/>
             </a:pPr>
             <a:r>
-              <a:rPr lang="en-US" sz="4375" b="1" kern="0" spc="-131" dirty="0">
+              <a:rPr lang="en-US" sz="3600" b="1" kern="0" spc="-131" dirty="0">
                 <a:solidFill>
                   <a:srgbClr val="FFFFFF"/>
                 </a:solidFill>
@@ -4895,7 +4948,7 @@
               </a:rPr>
               <a:t>Evaluation Metrics for Candidate Ranking</a:t>
             </a:r>
-            <a:endParaRPr lang="en-US" sz="4375" b="1" kern="0" spc="-131" dirty="0">
+            <a:endParaRPr lang="en-US" sz="3600" b="1" kern="0" spc="-131" dirty="0">
               <a:solidFill>
                 <a:srgbClr val="FFFFFF"/>
               </a:solidFill>
@@ -5008,7 +5061,7 @@
               <a:buNone/>
             </a:pPr>
             <a:r>
-              <a:rPr lang="en-US" sz="2185" b="1" kern="0" spc="-66" dirty="0">
+              <a:rPr lang="en-US" sz="2000" b="1" kern="0" spc="-66" dirty="0">
                 <a:solidFill>
                   <a:srgbClr val="E5E0DF"/>
                 </a:solidFill>
@@ -5018,7 +5071,7 @@
               </a:rPr>
               <a:t>Relevance Score</a:t>
             </a:r>
-            <a:endParaRPr lang="en-US" sz="2185" b="1" kern="0" spc="-66" dirty="0">
+            <a:endParaRPr lang="en-US" sz="2000" b="1" kern="0" spc="-66" dirty="0">
               <a:solidFill>
                 <a:srgbClr val="E5E0DF"/>
               </a:solidFill>
@@ -5056,7 +5109,7 @@
               <a:buNone/>
             </a:pPr>
             <a:r>
-              <a:rPr lang="en-US" sz="1750" dirty="0">
+              <a:rPr lang="en-US" sz="2000" dirty="0">
                 <a:solidFill>
                   <a:srgbClr val="E5E0DF"/>
                 </a:solidFill>
@@ -5066,7 +5119,7 @@
               </a:rPr>
               <a:t>We assign a relevance score to each candidate based on the match between their resume and the job requirements.</a:t>
             </a:r>
-            <a:endParaRPr lang="en-US" sz="1750" dirty="0">
+            <a:endParaRPr lang="en-US" sz="2000" dirty="0">
               <a:solidFill>
                 <a:srgbClr val="E5E0DF"/>
               </a:solidFill>
@@ -5179,7 +5232,7 @@
               <a:buNone/>
             </a:pPr>
             <a:r>
-              <a:rPr lang="en-US" sz="2185" b="1" kern="0" spc="-66" dirty="0">
+              <a:rPr lang="en-US" sz="2000" b="1" kern="0" spc="-66" dirty="0">
                 <a:solidFill>
                   <a:srgbClr val="E5E0DF"/>
                 </a:solidFill>
@@ -5189,7 +5242,7 @@
               </a:rPr>
               <a:t>Qualification Assessment</a:t>
             </a:r>
-            <a:endParaRPr lang="en-US" sz="2185" b="1" kern="0" spc="-66" dirty="0">
+            <a:endParaRPr lang="en-US" sz="2000" b="1" kern="0" spc="-66" dirty="0">
               <a:solidFill>
                 <a:srgbClr val="E5E0DF"/>
               </a:solidFill>
@@ -5227,7 +5280,7 @@
               <a:buNone/>
             </a:pPr>
             <a:r>
-              <a:rPr lang="en-US" sz="1750" dirty="0">
+              <a:rPr lang="en-US" sz="2000" dirty="0">
                 <a:solidFill>
                   <a:srgbClr val="E5E0DF"/>
                 </a:solidFill>
@@ -5237,7 +5290,7 @@
               </a:rPr>
               <a:t>We evaluate candidates' qualifications by considering factors like education, work experience, and certifications.</a:t>
             </a:r>
-            <a:endParaRPr lang="en-US" sz="1750" dirty="0">
+            <a:endParaRPr lang="en-US" sz="2000" dirty="0">
               <a:solidFill>
                 <a:srgbClr val="E5E0DF"/>
               </a:solidFill>
@@ -5350,7 +5403,7 @@
               <a:buNone/>
             </a:pPr>
             <a:r>
-              <a:rPr lang="en-US" sz="2185" b="1" kern="0" spc="-66" dirty="0">
+              <a:rPr lang="en-US" sz="2000" b="1" kern="0" spc="-66" dirty="0">
                 <a:solidFill>
                   <a:srgbClr val="E5E0DF"/>
                 </a:solidFill>
@@ -5360,7 +5413,7 @@
               </a:rPr>
               <a:t>Skills Proficiency</a:t>
             </a:r>
-            <a:endParaRPr lang="en-US" sz="2185" b="1" kern="0" spc="-66" dirty="0">
+            <a:endParaRPr lang="en-US" sz="2000" b="1" kern="0" spc="-66" dirty="0">
               <a:solidFill>
                 <a:srgbClr val="E5E0DF"/>
               </a:solidFill>
@@ -5398,7 +5451,7 @@
               <a:buNone/>
             </a:pPr>
             <a:r>
-              <a:rPr lang="en-US" sz="1750" dirty="0">
+              <a:rPr lang="en-US" sz="2000" dirty="0">
                 <a:solidFill>
                   <a:srgbClr val="E5E0DF"/>
                 </a:solidFill>
@@ -5408,7 +5461,7 @@
               </a:rPr>
               <a:t>We assess candidates' proficiency in required skills, giving higher scores to those who exhibit a stronger skillset.</a:t>
             </a:r>
-            <a:endParaRPr lang="en-US" sz="1750" dirty="0">
+            <a:endParaRPr lang="en-US" sz="2000" dirty="0">
               <a:solidFill>
                 <a:srgbClr val="E5E0DF"/>
               </a:solidFill>
@@ -5521,7 +5574,7 @@
               <a:buNone/>
             </a:pPr>
             <a:r>
-              <a:rPr lang="en-US" sz="2185" b="1" kern="0" spc="-66" dirty="0">
+              <a:rPr lang="en-US" sz="2000" b="1" kern="0" spc="-66" dirty="0">
                 <a:solidFill>
                   <a:srgbClr val="E5E0DF"/>
                 </a:solidFill>
@@ -5531,7 +5584,7 @@
               </a:rPr>
               <a:t>Language Fluency</a:t>
             </a:r>
-            <a:endParaRPr lang="en-US" sz="2185" b="1" kern="0" spc="-66" dirty="0">
+            <a:endParaRPr lang="en-US" sz="2000" b="1" kern="0" spc="-66" dirty="0">
               <a:solidFill>
                 <a:srgbClr val="E5E0DF"/>
               </a:solidFill>
@@ -5550,8 +5603,8 @@
         </p:nvSpPr>
         <p:spPr>
           <a:xfrm>
-            <a:off x="8148399" y="5961698"/>
-            <a:ext cx="4133612" cy="1066205"/>
+            <a:off x="8148320" y="5962015"/>
+            <a:ext cx="4457700" cy="1066165"/>
           </a:xfrm>
           <a:prstGeom prst="rect">
             <a:avLst/>
@@ -5569,7 +5622,7 @@
               <a:buNone/>
             </a:pPr>
             <a:r>
-              <a:rPr lang="en-US" sz="1750" dirty="0">
+              <a:rPr lang="en-US" sz="2000" dirty="0">
                 <a:solidFill>
                   <a:srgbClr val="E5E0DF"/>
                 </a:solidFill>
@@ -5579,7 +5632,7 @@
               </a:rPr>
               <a:t>We examine candidates' language proficiency, taking into account both written and verbal communication skills.</a:t>
             </a:r>
-            <a:endParaRPr lang="en-US" sz="1750" dirty="0">
+            <a:endParaRPr lang="en-US" sz="2000" dirty="0">
               <a:solidFill>
                 <a:srgbClr val="E5E0DF"/>
               </a:solidFill>
@@ -5758,14 +5811,14 @@
           <a:bodyPr wrap="square" rtlCol="0" anchor="t"/>
           <a:lstStyle/>
           <a:p>
-            <a:pPr marL="0" indent="0">
+            <a:pPr marL="0" indent="0" algn="ctr">
               <a:lnSpc>
                 <a:spcPts val="5470"/>
               </a:lnSpc>
               <a:buNone/>
             </a:pPr>
             <a:r>
-              <a:rPr lang="en-US" sz="4375" b="1" kern="0" spc="-131" dirty="0">
+              <a:rPr lang="en-US" sz="3600" b="1" kern="0" spc="-131" dirty="0">
                 <a:solidFill>
                   <a:srgbClr val="FFFFFF"/>
                 </a:solidFill>
@@ -5775,7 +5828,7 @@
               </a:rPr>
               <a:t>Comparison of Existing Systems with Proposed System</a:t>
             </a:r>
-            <a:endParaRPr lang="en-US" sz="4375" b="1" kern="0" spc="-131" dirty="0">
+            <a:endParaRPr lang="en-US" sz="3600" b="1" kern="0" spc="-131" dirty="0">
               <a:solidFill>
                 <a:srgbClr val="FFFFFF"/>
               </a:solidFill>
@@ -5861,7 +5914,7 @@
               <a:buNone/>
             </a:pPr>
             <a:r>
-              <a:rPr lang="en-US" sz="1750" dirty="0">
+              <a:rPr lang="en-US" sz="2000" dirty="0">
                 <a:solidFill>
                   <a:srgbClr val="E5E0DF"/>
                 </a:solidFill>
@@ -5871,7 +5924,7 @@
               </a:rPr>
               <a:t>Existing Systems</a:t>
             </a:r>
-            <a:endParaRPr lang="en-US" sz="1750" dirty="0">
+            <a:endParaRPr lang="en-US" sz="2000" dirty="0">
               <a:solidFill>
                 <a:srgbClr val="E5E0DF"/>
               </a:solidFill>
@@ -5909,7 +5962,7 @@
               <a:buNone/>
             </a:pPr>
             <a:r>
-              <a:rPr lang="en-US" sz="1750" dirty="0">
+              <a:rPr lang="en-US" sz="2000" dirty="0">
                 <a:solidFill>
                   <a:srgbClr val="E5E0DF"/>
                 </a:solidFill>
@@ -5919,7 +5972,7 @@
               </a:rPr>
               <a:t>Proposed System</a:t>
             </a:r>
-            <a:endParaRPr lang="en-US" sz="1750" dirty="0">
+            <a:endParaRPr lang="en-US" sz="2000" dirty="0">
               <a:solidFill>
                 <a:srgbClr val="E5E0DF"/>
               </a:solidFill>
@@ -5978,7 +6031,7 @@
               <a:buNone/>
             </a:pPr>
             <a:r>
-              <a:rPr lang="en-US" sz="1750" dirty="0">
+              <a:rPr lang="en-US" sz="2000" dirty="0">
                 <a:solidFill>
                   <a:srgbClr val="E5E0DF"/>
                 </a:solidFill>
@@ -5988,7 +6041,7 @@
               </a:rPr>
               <a:t>Relies on rule-based algorithms</a:t>
             </a:r>
-            <a:endParaRPr lang="en-US" sz="1750" dirty="0">
+            <a:endParaRPr lang="en-US" sz="2000" dirty="0">
               <a:solidFill>
                 <a:srgbClr val="E5E0DF"/>
               </a:solidFill>
@@ -6026,7 +6079,7 @@
               <a:buNone/>
             </a:pPr>
             <a:r>
-              <a:rPr lang="en-US" sz="1750" dirty="0">
+              <a:rPr lang="en-US" sz="2000" dirty="0">
                 <a:solidFill>
                   <a:srgbClr val="E5E0DF"/>
                 </a:solidFill>
@@ -6036,7 +6089,7 @@
               </a:rPr>
               <a:t>Utilizes advanced AI techniques</a:t>
             </a:r>
-            <a:endParaRPr lang="en-US" sz="1750" dirty="0">
+            <a:endParaRPr lang="en-US" sz="2000" dirty="0">
               <a:solidFill>
                 <a:srgbClr val="E5E0DF"/>
               </a:solidFill>
@@ -6095,7 +6148,7 @@
               <a:buNone/>
             </a:pPr>
             <a:r>
-              <a:rPr lang="en-US" sz="1750" dirty="0">
+              <a:rPr lang="en-US" sz="2000" dirty="0">
                 <a:solidFill>
                   <a:srgbClr val="E5E0DF"/>
                 </a:solidFill>
@@ -6105,7 +6158,7 @@
               </a:rPr>
               <a:t>May overlook relevant keywords</a:t>
             </a:r>
-            <a:endParaRPr lang="en-US" sz="1750" dirty="0">
+            <a:endParaRPr lang="en-US" sz="2000" dirty="0">
               <a:solidFill>
                 <a:srgbClr val="E5E0DF"/>
               </a:solidFill>
@@ -6143,7 +6196,7 @@
               <a:buNone/>
             </a:pPr>
             <a:r>
-              <a:rPr lang="en-US" sz="1750" dirty="0">
+              <a:rPr lang="en-US" sz="2000" dirty="0">
                 <a:solidFill>
                   <a:srgbClr val="E5E0DF"/>
                 </a:solidFill>
@@ -6153,7 +6206,7 @@
               </a:rPr>
               <a:t>Extracts latent topics from resumes</a:t>
             </a:r>
-            <a:endParaRPr lang="en-US" sz="1750" dirty="0">
+            <a:endParaRPr lang="en-US" sz="2000" dirty="0">
               <a:solidFill>
                 <a:srgbClr val="E5E0DF"/>
               </a:solidFill>
@@ -6212,7 +6265,7 @@
               <a:buNone/>
             </a:pPr>
             <a:r>
-              <a:rPr lang="en-US" sz="1750" dirty="0">
+              <a:rPr lang="en-US" sz="2000" dirty="0">
                 <a:solidFill>
                   <a:srgbClr val="E5E0DF"/>
                 </a:solidFill>
@@ -6222,7 +6275,7 @@
               </a:rPr>
               <a:t>Limited accuracy and efficiency</a:t>
             </a:r>
-            <a:endParaRPr lang="en-US" sz="1750" dirty="0">
+            <a:endParaRPr lang="en-US" sz="2000" dirty="0">
               <a:solidFill>
                 <a:srgbClr val="E5E0DF"/>
               </a:solidFill>
@@ -6260,7 +6313,7 @@
               <a:buNone/>
             </a:pPr>
             <a:r>
-              <a:rPr lang="en-US" sz="1750" dirty="0">
+              <a:rPr lang="en-US" sz="2000" dirty="0">
                 <a:solidFill>
                   <a:srgbClr val="E5E0DF"/>
                 </a:solidFill>
@@ -6270,7 +6323,7 @@
               </a:rPr>
               <a:t>Improved candidate selection process</a:t>
             </a:r>
-            <a:endParaRPr lang="en-US" sz="1750" dirty="0">
+            <a:endParaRPr lang="en-US" sz="2000" dirty="0">
               <a:solidFill>
                 <a:srgbClr val="E5E0DF"/>
               </a:solidFill>
@@ -6456,7 +6509,7 @@
               <a:buNone/>
             </a:pPr>
             <a:r>
-              <a:rPr lang="en-US" sz="4375" b="1" kern="0" spc="-131" dirty="0">
+              <a:rPr lang="en-US" sz="3600" b="1" kern="0" spc="-131" dirty="0">
                 <a:solidFill>
                   <a:srgbClr val="FFFFFF"/>
                 </a:solidFill>
@@ -6466,7 +6519,7 @@
               </a:rPr>
               <a:t>Conclusion and Future Work</a:t>
             </a:r>
-            <a:endParaRPr lang="en-US" sz="4375" b="1" kern="0" spc="-131" dirty="0">
+            <a:endParaRPr lang="en-US" sz="3600" b="1" kern="0" spc="-131" dirty="0">
               <a:solidFill>
                 <a:srgbClr val="FFFFFF"/>
               </a:solidFill>
@@ -6528,7 +6581,7 @@
               <a:buNone/>
             </a:pPr>
             <a:r>
-              <a:rPr lang="en-US" sz="2185" b="1" kern="0" spc="-66" dirty="0">
+              <a:rPr lang="en-US" sz="2400" b="1" kern="0" spc="-66" dirty="0">
                 <a:solidFill>
                   <a:srgbClr val="FFFFFF"/>
                 </a:solidFill>
@@ -6538,7 +6591,7 @@
               </a:rPr>
               <a:t>Conclusion</a:t>
             </a:r>
-            <a:endParaRPr lang="en-US" sz="2185" b="1" kern="0" spc="-66" dirty="0">
+            <a:endParaRPr lang="en-US" sz="2400" b="1" kern="0" spc="-66" dirty="0">
               <a:solidFill>
                 <a:srgbClr val="FFFFFF"/>
               </a:solidFill>
@@ -6576,7 +6629,7 @@
               <a:buNone/>
             </a:pPr>
             <a:r>
-              <a:rPr lang="en-US" sz="1750" dirty="0">
+              <a:rPr lang="en-US" sz="2000" dirty="0">
                 <a:solidFill>
                   <a:srgbClr val="E5E0DF"/>
                 </a:solidFill>
@@ -6586,7 +6639,7 @@
               </a:rPr>
               <a:t>AI-powered resume analysis and candidate ranking systems have the potential to revolutionize the hiring process, enabling companies to identify the most qualified candidates efficiently.</a:t>
             </a:r>
-            <a:endParaRPr lang="en-US" sz="1750" dirty="0">
+            <a:endParaRPr lang="en-US" sz="2000" dirty="0">
               <a:solidFill>
                 <a:srgbClr val="E5E0DF"/>
               </a:solidFill>
@@ -6648,7 +6701,7 @@
               <a:buNone/>
             </a:pPr>
             <a:r>
-              <a:rPr lang="en-US" sz="2185" b="1" kern="0" spc="-66" dirty="0">
+              <a:rPr lang="en-US" sz="2400" b="1" kern="0" spc="-66" dirty="0">
                 <a:solidFill>
                   <a:srgbClr val="FFFFFF"/>
                 </a:solidFill>
@@ -6658,7 +6711,7 @@
               </a:rPr>
               <a:t>Future Work</a:t>
             </a:r>
-            <a:endParaRPr lang="en-US" sz="2185" b="1" kern="0" spc="-66" dirty="0">
+            <a:endParaRPr lang="en-US" sz="2400" b="1" kern="0" spc="-66" dirty="0">
               <a:solidFill>
                 <a:srgbClr val="FFFFFF"/>
               </a:solidFill>
@@ -6696,7 +6749,7 @@
               <a:buNone/>
             </a:pPr>
             <a:r>
-              <a:rPr lang="en-US" sz="1750" dirty="0">
+              <a:rPr lang="en-US" sz="2000" dirty="0">
                 <a:solidFill>
                   <a:srgbClr val="E5E0DF"/>
                 </a:solidFill>
@@ -6706,7 +6759,7 @@
               </a:rPr>
               <a:t>Further research and development are needed to refine and enhance the proposed system, considering additional factors and optimizing the performance of LDA and NLP algorithms.</a:t>
             </a:r>
-            <a:endParaRPr lang="en-US" sz="1750" dirty="0">
+            <a:endParaRPr lang="en-US" sz="2000" dirty="0">
               <a:solidFill>
                 <a:srgbClr val="E5E0DF"/>
               </a:solidFill>
@@ -6768,7 +6821,7 @@
               <a:buNone/>
             </a:pPr>
             <a:r>
-              <a:rPr lang="en-US" sz="2185" b="1" kern="0" spc="-66" dirty="0">
+              <a:rPr lang="en-US" sz="2400" b="1" kern="0" spc="-66" dirty="0">
                 <a:solidFill>
                   <a:srgbClr val="FFFFFF"/>
                 </a:solidFill>
@@ -6778,7 +6831,7 @@
               </a:rPr>
               <a:t>Impact</a:t>
             </a:r>
-            <a:endParaRPr lang="en-US" sz="2185" b="1" kern="0" spc="-66" dirty="0">
+            <a:endParaRPr lang="en-US" sz="2400" b="1" kern="0" spc="-66" dirty="0">
               <a:solidFill>
                 <a:srgbClr val="FFFFFF"/>
               </a:solidFill>
@@ -6816,7 +6869,7 @@
               <a:buNone/>
             </a:pPr>
             <a:r>
-              <a:rPr lang="en-US" sz="1750" dirty="0">
+              <a:rPr lang="en-US" sz="2000" dirty="0">
                 <a:solidFill>
                   <a:srgbClr val="E5E0DF"/>
                 </a:solidFill>
@@ -6826,7 +6879,7 @@
               </a:rPr>
               <a:t>An effective resume analysis system can lead to better job matches, improved career opportunities for candidates, and increased productivity for organizations.</a:t>
             </a:r>
-            <a:endParaRPr lang="en-US" sz="1750" dirty="0">
+            <a:endParaRPr lang="en-US" sz="2000" dirty="0">
               <a:solidFill>
                 <a:srgbClr val="E5E0DF"/>
               </a:solidFill>
